--- a/Extra Session/SAC_Training Day Extra.pptx
+++ b/Extra Session/SAC_Training Day Extra.pptx
@@ -1476,18 +1476,18 @@
   <inkml:trace contextRef="#ctx0" brushRef="#br0" timeOffset="-150920">12079 3862 0,'-26'0'16,"26"26"47,26-26-63,-26 25 15,25 1-15,1 0 16,-26 0-16,26 26 0,0 0 15,0 0-15,0 25 0,-26-25 16,26 26-16,0 0 16,-26 0-16,26-1 0,-26 1 15,0 0-15,26 0 16,-26-1-16,0 1 0,0 0 16,0 0-16,0-27 0,0 27 15,0 0-15,0-26 16,0 26-16,0-27 0,0 27 15,0-26-15,0 0 16,0 0-16,0-1 0,0 1 16,0-26-16,0 26 0,0 0 15,26-26-15,-26 26 16,0-26-16,0 25 0,0 1 16,0-26-16,0 26 15,0-26-15,26 26 0,-26-26 16,0 26-16,0-1 15,0-25-15,25 26 0,-25-26 16,0 0-16,26 0 0,-26 0 16,0 0-16,0 0 15,0 0-15,26-26 0,-26 25 16,-26-25 62,0 0-47,1 0-31,-1 0 16,0 0 0,0 0-16,0-25 15,0 25-15,-26 0 0,26 0 16,-26 0-16,1 0 15,-1 0-15,0 25 0,0-25 16,-26 0-16,26 26 0,-25-26 16,25 26-16,-26-26 15,26 0-15,0 26 0,-25-26 16,25 26-16,-26-26 16,26 0-16,-26 0 0,27 0 15,-27 26-15,0-26 0,-26 0 16,27 0-16,-1 0 15,-26 0-15,27 26 0,-27-26 16,26 0-16,-26 26 16,27-26-16,-1 0 0,0 0 15,0 26-15,1-26 0,-1 0 16,0 0-16,0 0 16,27 0-16,-27 0 0,26 0 15,-26 0-15,26 0 16,1 0-16,-1 0 0,0 0 15,0 0-15,26 0 0,-26 0 16,0 0-16,26 0 16,-25 0-16,25 0 0,-26 0 15,26 0-15,-26 0 16,26 0-16,0 0 0,-26 0 16,1 0-16,25 0 0,-26 0 15,26 0-15,-26 26 16,26-26-16,0 0 0,0 0 15,0 0 1,52 0 0,0 0-1,-26-26-15,26 26 16,0 0-16,-26-26 16,0 0 15,0 0-16,0 0 1,0 0-16,0 0 0,0 0 16,0 0-16,0-25 15,0-1-15,0-26 0,-26 0 16,26 1-16,-26-1 0,26 0 16,-26-26-16,0 27 15,26-27-15,-25 26 0,25 0 16,-26-25-16,26 25 15,0 0-15,-26 0 0,26 27 16,0-27-16,0 0 0,-26 0 16,26 1-16,0-1 15,0 0-15,0 26 0,26-25 16,-26 25-16,26 0 16,-26 0-16,0 26 0,26-26 15,-26 26-15,0 0 0,25 0 16,-25 1-16,0-1 15,0 0 1,26 26-16,-26-26 16,26 26-1,-26-26-15,26 26 16,0 0 0,0-26-16,0 26 0,26-26 15,0 26-15,-1 0 0,1-26 16,26 26-16,26-26 15,-1 26-15,1-26 0,26 0 16,-1 26-16,1-26 16,-1 26-16,27-25 0,-1-1 15,1 26-15,-1-26 0,1 0 16,0 0-16,-27 26 16,27-26-16,-27 0 0,1 26 15,-1-26-15,1 26 16,-26-26-16,25 26 0,-25 0 15,0-26-15,-1 26 0,-25 0 16,26-26-16,-27 26 16,1 0-16,0-26 0,-26 26 15,0-25-15,-26 25 16,-1 0-16,1 0 0,-26-26 62,-26 26-46,26 26 15</inkml:trace>
   <inkml:trace contextRef="#ctx0" brushRef="#br0" timeOffset="-148316">17495 3991 0,'0'-26'16,"26"26"15,0 0-15,0 26-1,0-26-15,0 26 16,0 0-16,0 0 16,0-26-16,26 26 15,-26 0-15,-1-26 0,1 26 16,0 0-16,0-26 0,0 26 16,0-26-16,0 25 15,0-25-15,0 0 16</inkml:trace>
   <inkml:trace contextRef="#ctx0" brushRef="#br0" timeOffset="-147903">17988 3913 0,'0'-25'16,"-26"25"0,0 0 15,0 25-16,26 1-15,-26-26 16,0 26-16,0 0 16,0 26-16,1-26 0,-27 0 15,26 26-15,0-26 16,0 25-16,0-25 0,0 0 16,26 26-16,-26-26 0,0 0 15,26 0-15,-26 0 16,26 0-1,-26-26-15,26 26 16,0-52 31</inkml:trace>
-  <inkml:trace contextRef="#ctx0" brushRef="#br0" timeOffset="-225842">25193 1684 0,'-26'26'32,"26"0"-32,0 0 15,0 0-15,0 26 16,0-26-16,0 26 0,0 0 16,0-27-16,0 27 15,0-26-15,0 26 0,0-26 16,0 0-16,0 0 0,0 0 15,0 0-15</inkml:trace>
-  <inkml:trace contextRef="#ctx0" brushRef="#br0" timeOffset="-225349">25375 2021 0,'0'-26'15,"0"1"1,26 25 15,-26 25-15,0 1-16,25-26 15,-25 26-15,0 0 0,26 0 16,-26 0-16,0 0 16,0 0-16,0 0 15,0-52 48,0 0-48,26 0-15,0 0 0,-26 0 16,26 0-16,0 0 16,0 26-16,0-26 0,0 26 15,0 26 1,0 0 0,-26 0-16,0 0 0,26 0 15,-26 0-15,0 0 16,0 0-16,0 0 0,0 0 15,26 0 1</inkml:trace>
-  <inkml:trace contextRef="#ctx0" brushRef="#br0" timeOffset="-224816">26100 2073 0,'26'0'0,"-26"-26"16,0 0-16,0 0 16,-26 26-16,0-25 15,1 25-15,-1 0 16,0 0-16,0 0 0,0 0 16,0 0-16,0 25 15,0 1-15,26 0 16,-26 0-16,26 0 0,0 0 15,0 0-15,0 0 16,0 0-16,26-26 0,-26 26 16,0 0-16,26-26 15,0 0-15,0 26 0,0-26 16,0-26-16,26 26 16,-27-26-16,1 0 15,0 0-15,-26 0 0,26-26 16,0 26-16,-26-26 15,0 1-15,0-1 0,0 0 16,0 26-16,0-26 0,0 26 16,0 0-16,0 0 15,-26 26-15,26 26 16,0 0-16,0 0 16,0 26-16,0-26 15,0 26-15,0-26 0,0 25 16,26 1-16,-26 0 15,0-26-15,26 0 0,-26 26 16,0-26-16,26 0 0,-26 0 16,0 0-16</inkml:trace>
-  <inkml:trace contextRef="#ctx0" brushRef="#br0" timeOffset="-224372">26515 2021 0,'-26'0'15,"52"0"17,-26 26-17,26-26-15,0 0 16,0 26-16,0-26 15,0 0-15,0 0 16,-1 0-16,1 0 16,-26-26-1,0 0 1,0 0-16,-26 1 16,1-1-1,-1 26-15,0 0 16,0 0-16,0 0 0,0 0 15,0 0-15,26 26 16,-26-26-16,26 25 0,0 1 16,0 0-16,0 26 0,0-26 15,26 26-15,0-26 16,0 0-16,0 26 0,0-26 16,0-1-16,0 1 15,25-26-15,-25 26 0,0-26 16,26 0-16</inkml:trace>
-  <inkml:trace contextRef="#ctx0" brushRef="#br0" timeOffset="-224109">26930 1970 0,'0'-26'0,"26"52"46,0-26-46,-26 25 16,26 1-16,-1 0 16,1 0-16,0 0 15,0 0-15,0 0 0,0 0 16,0 0-16,0 0 16,0 0-16,0-26 0,-26 26 15,0-52 16</inkml:trace>
-  <inkml:trace contextRef="#ctx0" brushRef="#br0" timeOffset="-223886">27189 1918 0,'26'-26'0,"-26"0"15,-26 52 1,0 0-1,0 0-15,26 25 16,-26-25-16,0 26 16,0-26-16,0 26 0,1-26 15,25 0-15,-26 26 0,0-26 16,0 0-16,0-1 16,0-25-1,0 0-15</inkml:trace>
-  <inkml:trace contextRef="#ctx0" brushRef="#br0" timeOffset="-228204">23172 2021 0,'0'26'78,"0"0"-63,0 0 1,0 0-16,0 0 16,0 0-16,0 0 0,0 0 15,0 26-15,0-26 16,0-1-16,0 1 0,26 0 15,-26 26-15,0-26 16,0 0-16,0 0 16</inkml:trace>
-  <inkml:trace contextRef="#ctx0" brushRef="#br0" timeOffset="-227774">23146 2047 0,'0'-26'16,"0"0"-16,0 1 15,0-1-15,0 0 16,0 0-16,0 0 15,26 0-15,0 0 16,-1 0 0,1 26-16,0 0 15,0 0-15,0 0 0,26 0 16,-26 26-16,0-26 0,26 26 16,-26 0-16,-1 0 15,1 0-15,-26 0 0,0 0 16,0-1-16,0 1 15,-26 0-15,1 0 0,-1-26 16,-26 26-16,0 0 0,26-26 16,-26 26-16,0-26 15,26 26-15,1-26 0,-1 0 16,52 0 0</inkml:trace>
-  <inkml:trace contextRef="#ctx0" brushRef="#br0" timeOffset="-227108">23483 2229 0,'26'0'47,"-1"26"-32,1 0 1,0 0-16,0-1 16,0-25-16,-26 26 0,26 0 15,-26 0-15,26 0 16,-26 0-16,-26-26 31,26 26-31,-26-26 0,0 0 16,0 0-16,26-26 15,0 0-15,0 0 16,0 0-16,0 0 16,26 0-16,0 1 15,0-1-15,0 0 0,0 26 16,0-26-16,0 26 0,0 0 15,0 0 1,-26 26-16,0 0 31,25-26 16,-25-26-47,0 52 63,0 0-48,0-1-15,26 1 16,-26 0-16,0 0 16,0 0-16,0 0 15,0 0-15,0 0 16</inkml:trace>
-  <inkml:trace contextRef="#ctx0" brushRef="#br0" timeOffset="-226934">23871 2021 0,'0'26'32,"26"-26"-17</inkml:trace>
-  <inkml:trace contextRef="#ctx0" brushRef="#br0" timeOffset="-226597">24260 2281 0,'26'0'16,"0"-26"0,0 26-1,-26-26-15,-26 26 16,0 0-1,0 0 1,0 0-16,0 0 0,0 26 16,0-26-16,1 26 0,-1 0 15,26-1 1,0 1-16,0 0 16,0 0-16,26-26 0,-26 26 15,25-26-15,1 0 16,0 26-16,0-26 0,0 0 15,26 0-15,-26 0 16</inkml:trace>
-  <inkml:trace contextRef="#ctx0" brushRef="#br0" timeOffset="-226166">24597 2255 0,'-26'0'0,"0"0"16,52 0 47,0 0-48,0 0 16,-26-26-15,0 0-16,0 0 31,-26 26-31,26-26 0,-26 26 16,0 0 0,0 0-16,0 0 0,1 0 15,25 26-15,-26 0 0,0-26 16,26 26-16,0 0 15,0 0-15,0 0 0,0-1 16,0 1-16,26 0 16,-26 0-16,26-26 0,-1 26 15,1-26-15,26 0 0,0 0 16,0 0-16</inkml:trace>
+  <inkml:trace contextRef="#ctx0" brushRef="#br0" timeOffset="203654.72">25193 1684 0,'-26'26'32,"26"0"-32,0 0 15,0 0-15,0 26 16,0-26-16,0 26 0,0 0 16,0-27-16,0 27 15,0-26-15,0 26 0,0-26 16,0 0-16,0 0 0,0 0 15,0 0-15</inkml:trace>
+  <inkml:trace contextRef="#ctx0" brushRef="#br0" timeOffset="204147.72">25375 2021 0,'0'-26'15,"0"1"1,26 25 15,-26 25-15,0 1-16,25-26 15,-25 26-15,0 0 0,26 0 16,-26 0-16,0 0 16,0 0-16,0 0 15,0-52 48,0 0-48,26 0-15,0 0 0,-26 0 16,26 0-16,0 0 16,0 26-16,0-26 0,0 26 15,0 26 1,0 0 0,-26 0-16,0 0 0,26 0 15,-26 0-15,0 0 16,0 0-16,0 0 0,0 0 15,26 0 1</inkml:trace>
+  <inkml:trace contextRef="#ctx0" brushRef="#br0" timeOffset="204680.72">26100 2073 0,'26'0'0,"-26"-26"16,0 0-16,0 0 16,-26 26-16,0-25 15,1 25-15,-1 0 16,0 0-16,0 0 0,0 0 16,0 0-16,0 25 15,0 1-15,26 0 16,-26 0-16,26 0 0,0 0 15,0 0-15,0 0 16,0 0-16,26-26 0,-26 26 16,0 0-16,26-26 15,0 0-15,0 26 0,0-26 16,0-26-16,26 26 16,-27-26-16,1 0 15,0 0-15,-26 0 0,26-26 16,0 26-16,-26-26 15,0 1-15,0-1 0,0 0 16,0 26-16,0-26 0,0 26 16,0 0-16,0 0 15,-26 26-15,26 26 16,0 0-16,0 0 16,0 26-16,0-26 15,0 26-15,0-26 0,0 25 16,26 1-16,-26 0 15,0-26-15,26 0 0,-26 26 16,0-26-16,26 0 0,-26 0 16,0 0-16</inkml:trace>
+  <inkml:trace contextRef="#ctx0" brushRef="#br0" timeOffset="205124.72">26515 2021 0,'-26'0'15,"52"0"17,-26 26-17,26-26-15,0 0 16,0 26-16,0-26 15,0 0-15,0 0 16,-1 0-16,1 0 16,-26-26-1,0 0 1,0 0-16,-26 1 16,1-1-1,-1 26-15,0 0 16,0 0-16,0 0 0,0 0 15,0 0-15,26 26 16,-26-26-16,26 25 0,0 1 16,0 0-16,0 26 0,0-26 15,26 26-15,0-26 16,0 0-16,0 26 0,0-26 16,0-1-16,0 1 15,25-26-15,-25 26 0,0-26 16,26 0-16</inkml:trace>
+  <inkml:trace contextRef="#ctx0" brushRef="#br0" timeOffset="205387.72">26930 1970 0,'0'-26'0,"26"52"46,0-26-46,-26 25 16,26 1-16,-1 0 16,1 0-16,0 0 15,0 0-15,0 0 0,0 0 16,0 0-16,0 0 16,0 0-16,0-26 0,-26 26 15,0-52 16</inkml:trace>
+  <inkml:trace contextRef="#ctx0" brushRef="#br0" timeOffset="205610.72">27189 1918 0,'26'-26'0,"-26"0"15,-26 52 1,0 0-1,0 0-15,26 25 16,-26-25-16,0 26 16,0-26-16,0 26 0,1-26 15,25 0-15,-26 26 0,0-26 16,0 0-16,0-1 16,0-25-1,0 0-15</inkml:trace>
+  <inkml:trace contextRef="#ctx0" brushRef="#br0" timeOffset="201292.72">23172 2021 0,'0'26'78,"0"0"-63,0 0 1,0 0-16,0 0 16,0 0-16,0 0 0,0 0 15,0 26-15,0-26 16,0-1-16,0 1 0,26 0 15,-26 26-15,0-26 16,0 0-16,0 0 16</inkml:trace>
+  <inkml:trace contextRef="#ctx0" brushRef="#br0" timeOffset="201722.72">23146 2047 0,'0'-26'16,"0"0"-16,0 1 15,0-1-15,0 0 16,0 0-16,0 0 15,26 0-15,0 0 16,-1 0 0,1 26-16,0 0 15,0 0-15,0 0 0,26 0 16,-26 26-16,0-26 0,26 26 16,-26 0-16,-1 0 15,1 0-15,-26 0 0,0 0 16,0-1-16,0 1 15,-26 0-15,1 0 0,-1-26 16,-26 26-16,0 0 0,26-26 16,-26 26-16,0-26 15,26 26-15,1-26 0,-1 0 16,52 0 0</inkml:trace>
+  <inkml:trace contextRef="#ctx0" brushRef="#br0" timeOffset="202388.72">23483 2229 0,'26'0'47,"-1"26"-32,1 0 1,0 0-16,0-1 16,0-25-16,-26 26 0,26 0 15,-26 0-15,26 0 16,-26 0-16,-26-26 31,26 26-31,-26-26 0,0 0 16,0 0-16,26-26 15,0 0-15,0 0 16,0 0-16,0 0 16,26 0-16,0 1 15,0-1-15,0 0 0,0 26 16,0-26-16,0 26 0,0 0 15,0 0 1,-26 26-16,0 0 31,25-26 16,-25-26-47,0 52 63,0 0-48,0-1-15,26 1 16,-26 0-16,0 0 16,0 0-16,0 0 15,0 0-15,0 0 16</inkml:trace>
+  <inkml:trace contextRef="#ctx0" brushRef="#br0" timeOffset="202562.72">23871 2021 0,'0'26'32,"26"-26"-17</inkml:trace>
+  <inkml:trace contextRef="#ctx0" brushRef="#br0" timeOffset="202899.72">24260 2281 0,'26'0'16,"0"-26"0,0 26-1,-26-26-15,-26 26 16,0 0-1,0 0 1,0 0-16,0 0 0,0 26 16,0-26-16,1 26 0,-1 0 15,26-1 1,0 1-16,0 0 16,0 0-16,26-26 0,-26 26 15,25-26-15,1 0 16,0 26-16,0-26 0,0 0 15,26 0-15,-26 0 16</inkml:trace>
+  <inkml:trace contextRef="#ctx0" brushRef="#br0" timeOffset="203330.72">24597 2255 0,'-26'0'0,"0"0"16,52 0 47,0 0-48,0 0 16,-26-26-15,0 0-16,0 0 31,-26 26-31,26-26 0,-26 26 16,0 0 0,0 0-16,0 0 0,1 0 15,25 26-15,-26 0 0,0-26 16,26 26-16,0 0 15,0 0-15,0 0 0,0-1 16,0 1-16,26 0 16,-26 0-16,26-26 0,-1 26 15,1-26-15,26 0 0,0 0 16,0 0-16</inkml:trace>
   <inkml:trace contextRef="#ctx0" brushRef="#br0" timeOffset="-205436">22472 2307 0,'-26'0'110,"0"25"-110,0-25 15,-26 0-15,0 0 16,-25 0-16,25 0 0,-26 0 15,0 26-15,-25-26 16,25 0-16,-26 0 0,0 0 16,27 0-16,-27 0 0,26 0 15,1 0-15,-1 0 16,0 0-16,0 0 0,26 0 16,-25-26-16,25 26 15,-26 0-15,26 0 0,0 0 16,1 0-16,-1 0 0,0-25 15,0 25-15,0 0 16,0 0-16,26 0 0,1 0 16,-27 0-16,26 0 15,0 0-15,0 0 0,0 0 16,0 0-16,0 0 0,0 0 16,0 0-1,0 0-15,52 0 47,-26 25-31</inkml:trace>
   <inkml:trace contextRef="#ctx0" brushRef="#br0" timeOffset="-204992">20295 2021 0,'0'26'16,"0"0"-1,0 0 17,0 0-32,0 0 15,-26-26-15,0 26 0,0 0 16,0 0 0,0-26-16,0 26 0,0 0 15,0-26 1,0 26-16,0-1 15,26 1 17,26 0-17,0-26-15,0 26 16,0 0-16,0-26 0,0 26 16,26 0-16,-26 0 0,26 0 15,-27 0-15,1 0 16,0 0-16,-26-1 0</inkml:trace>
   <inkml:trace contextRef="#ctx0" brushRef="#br0" timeOffset="-201900">16977 1788 0,'-26'0'0,"26"-26"0,-26 26 15,26-26-15,0 0 32,0 52 15,0 0-32,0 0 1,0 0-16,0 0 0,0 26 15,-26-26-15,26 26 16,0-27-16,0 1 0,0 0 16,0 0-16,0 0 0,0 0 15,0 0 1,0-52 15,0 0-15,0 0-16,0 0 0,0-26 15,0 27-15,26-27 16,-26 0-16,26 0 0,-26 26 16,26-26-16,-26 26 15,26-25-15,-26 25 0,26 26 16,0-26-16,0 26 0,0 0 16,-26 26-1,26-26-15,0 26 0,-26-1 16,25 1-16,-25 0 15,26 26-15,-26-26 0,26 26 16,-26-26-16,26 26 0,-26-26 16,26-1-16,-26 1 15,26 26-15,-26-26 0,26 0 16,-26 0-16</inkml:trace>
@@ -1953,7 +1953,7 @@
           <a:p>
             <a:fld id="{4AF2A06D-4991-4208-8C88-4E8BAD69A8B8}" type="datetimeFigureOut">
               <a:rPr lang="en-US" smtClean="0"/>
-              <a:t>12/12/2020</a:t>
+              <a:t>3/16/2022</a:t>
             </a:fld>
             <a:endParaRPr lang="en-US"/>
           </a:p>
@@ -2577,7 +2577,7 @@
           <a:p>
             <a:fld id="{E26E0DA5-0C76-4851-AA82-0B75261F9EB4}" type="datetimeFigureOut">
               <a:rPr lang="en-US" smtClean="0"/>
-              <a:t>12/12/2020</a:t>
+              <a:t>3/16/2022</a:t>
             </a:fld>
             <a:endParaRPr lang="en-US"/>
           </a:p>
@@ -2745,7 +2745,7 @@
           <a:p>
             <a:fld id="{E26E0DA5-0C76-4851-AA82-0B75261F9EB4}" type="datetimeFigureOut">
               <a:rPr lang="en-US" smtClean="0"/>
-              <a:t>12/12/2020</a:t>
+              <a:t>3/16/2022</a:t>
             </a:fld>
             <a:endParaRPr lang="en-US"/>
           </a:p>
@@ -2923,7 +2923,7 @@
           <a:p>
             <a:fld id="{E26E0DA5-0C76-4851-AA82-0B75261F9EB4}" type="datetimeFigureOut">
               <a:rPr lang="en-US" smtClean="0"/>
-              <a:t>12/12/2020</a:t>
+              <a:t>3/16/2022</a:t>
             </a:fld>
             <a:endParaRPr lang="en-US"/>
           </a:p>
@@ -3250,7 +3250,7 @@
             <a:fld id="{9578D6DB-6798-42D2-B9AD-FC6F1C72FC30}" type="datetimeFigureOut">
               <a:rPr lang="en-US" smtClean="0"/>
               <a:pPr/>
-              <a:t>12/12/2020</a:t>
+              <a:t>3/16/2022</a:t>
             </a:fld>
             <a:endParaRPr lang="en-US"/>
           </a:p>
@@ -3492,7 +3492,7 @@
             <a:fld id="{425404F2-BE9A-4460-8815-8F645183555F}" type="datetimeFigureOut">
               <a:rPr lang="en-US" smtClean="0"/>
               <a:pPr/>
-              <a:t>12/12/2020</a:t>
+              <a:t>3/16/2022</a:t>
             </a:fld>
             <a:endParaRPr lang="en-US"/>
           </a:p>
@@ -3620,7 +3620,7 @@
             <a:fld id="{425404F2-BE9A-4460-8815-8F645183555F}" type="datetimeFigureOut">
               <a:rPr lang="en-US" smtClean="0"/>
               <a:pPr/>
-              <a:t>12/12/2020</a:t>
+              <a:t>3/16/2022</a:t>
             </a:fld>
             <a:endParaRPr lang="en-US"/>
           </a:p>
@@ -3870,7 +3870,7 @@
             <a:fld id="{425404F2-BE9A-4460-8815-8F645183555F}" type="datetimeFigureOut">
               <a:rPr lang="en-US" smtClean="0"/>
               <a:pPr/>
-              <a:t>12/12/2020</a:t>
+              <a:t>3/16/2022</a:t>
             </a:fld>
             <a:endParaRPr lang="en-US"/>
           </a:p>
@@ -4040,7 +4040,7 @@
             <a:fld id="{425404F2-BE9A-4460-8815-8F645183555F}" type="datetimeFigureOut">
               <a:rPr lang="en-US" smtClean="0"/>
               <a:pPr/>
-              <a:t>12/12/2020</a:t>
+              <a:t>3/16/2022</a:t>
             </a:fld>
             <a:endParaRPr lang="en-US"/>
           </a:p>
@@ -4327,7 +4327,7 @@
             <a:fld id="{425404F2-BE9A-4460-8815-8F645183555F}" type="datetimeFigureOut">
               <a:rPr lang="en-US" smtClean="0"/>
               <a:pPr/>
-              <a:t>12/12/2020</a:t>
+              <a:t>3/16/2022</a:t>
             </a:fld>
             <a:endParaRPr lang="en-US"/>
           </a:p>
@@ -4748,7 +4748,7 @@
             <a:fld id="{425404F2-BE9A-4460-8815-8F645183555F}" type="datetimeFigureOut">
               <a:rPr lang="en-US" smtClean="0"/>
               <a:pPr/>
-              <a:t>12/12/2020</a:t>
+              <a:t>3/16/2022</a:t>
             </a:fld>
             <a:endParaRPr lang="en-US"/>
           </a:p>
@@ -4873,7 +4873,7 @@
             <a:fld id="{425404F2-BE9A-4460-8815-8F645183555F}" type="datetimeFigureOut">
               <a:rPr lang="en-US" smtClean="0"/>
               <a:pPr/>
-              <a:t>12/12/2020</a:t>
+              <a:t>3/16/2022</a:t>
             </a:fld>
             <a:endParaRPr lang="en-US"/>
           </a:p>
@@ -5099,7 +5099,7 @@
           <a:p>
             <a:fld id="{E26E0DA5-0C76-4851-AA82-0B75261F9EB4}" type="datetimeFigureOut">
               <a:rPr lang="en-US" smtClean="0"/>
-              <a:t>12/12/2020</a:t>
+              <a:t>3/16/2022</a:t>
             </a:fld>
             <a:endParaRPr lang="en-US"/>
           </a:p>
@@ -5223,7 +5223,7 @@
             <a:fld id="{425404F2-BE9A-4460-8815-8F645183555F}" type="datetimeFigureOut">
               <a:rPr lang="en-US" smtClean="0"/>
               <a:pPr/>
-              <a:t>12/12/2020</a:t>
+              <a:t>3/16/2022</a:t>
             </a:fld>
             <a:endParaRPr lang="en-US"/>
           </a:p>
@@ -5770,7 +5770,7 @@
             <a:fld id="{425404F2-BE9A-4460-8815-8F645183555F}" type="datetimeFigureOut">
               <a:rPr lang="en-US" smtClean="0"/>
               <a:pPr/>
-              <a:t>12/12/2020</a:t>
+              <a:t>3/16/2022</a:t>
             </a:fld>
             <a:endParaRPr lang="en-US"/>
           </a:p>
@@ -5918,7 +5918,7 @@
             <a:fld id="{425404F2-BE9A-4460-8815-8F645183555F}" type="datetimeFigureOut">
               <a:rPr lang="en-US" smtClean="0"/>
               <a:pPr/>
-              <a:t>12/12/2020</a:t>
+              <a:t>3/16/2022</a:t>
             </a:fld>
             <a:endParaRPr lang="en-US"/>
           </a:p>
@@ -6151,7 +6151,7 @@
             <a:fld id="{425404F2-BE9A-4460-8815-8F645183555F}" type="datetimeFigureOut">
               <a:rPr lang="en-US" smtClean="0"/>
               <a:pPr/>
-              <a:t>12/12/2020</a:t>
+              <a:t>3/16/2022</a:t>
             </a:fld>
             <a:endParaRPr lang="en-US"/>
           </a:p>
@@ -6389,7 +6389,7 @@
             <a:fld id="{425404F2-BE9A-4460-8815-8F645183555F}" type="datetimeFigureOut">
               <a:rPr lang="en-US" smtClean="0"/>
               <a:pPr/>
-              <a:t>12/12/2020</a:t>
+              <a:t>3/16/2022</a:t>
             </a:fld>
             <a:endParaRPr lang="en-US"/>
           </a:p>
@@ -6571,7 +6571,7 @@
             <a:fld id="{425404F2-BE9A-4460-8815-8F645183555F}" type="datetimeFigureOut">
               <a:rPr lang="en-US" smtClean="0"/>
               <a:pPr/>
-              <a:t>12/12/2020</a:t>
+              <a:t>3/16/2022</a:t>
             </a:fld>
             <a:endParaRPr lang="en-US"/>
           </a:p>
@@ -6848,7 +6848,7 @@
             <a:fld id="{425404F2-BE9A-4460-8815-8F645183555F}" type="datetimeFigureOut">
               <a:rPr lang="en-US" smtClean="0"/>
               <a:pPr/>
-              <a:t>12/12/2020</a:t>
+              <a:t>3/16/2022</a:t>
             </a:fld>
             <a:endParaRPr lang="en-US"/>
           </a:p>
@@ -7102,7 +7102,7 @@
             <a:fld id="{425404F2-BE9A-4460-8815-8F645183555F}" type="datetimeFigureOut">
               <a:rPr lang="en-US" smtClean="0"/>
               <a:pPr/>
-              <a:t>12/12/2020</a:t>
+              <a:t>3/16/2022</a:t>
             </a:fld>
             <a:endParaRPr lang="en-US"/>
           </a:p>
@@ -7272,7 +7272,7 @@
             <a:fld id="{425404F2-BE9A-4460-8815-8F645183555F}" type="datetimeFigureOut">
               <a:rPr lang="en-US" smtClean="0"/>
               <a:pPr/>
-              <a:t>12/12/2020</a:t>
+              <a:t>3/16/2022</a:t>
             </a:fld>
             <a:endParaRPr lang="en-US"/>
           </a:p>
@@ -7452,7 +7452,7 @@
             <a:fld id="{425404F2-BE9A-4460-8815-8F645183555F}" type="datetimeFigureOut">
               <a:rPr lang="en-US" smtClean="0"/>
               <a:pPr/>
-              <a:t>12/12/2020</a:t>
+              <a:t>3/16/2022</a:t>
             </a:fld>
             <a:endParaRPr lang="en-US"/>
           </a:p>
@@ -7698,7 +7698,7 @@
           <a:p>
             <a:fld id="{E26E0DA5-0C76-4851-AA82-0B75261F9EB4}" type="datetimeFigureOut">
               <a:rPr lang="en-US" smtClean="0"/>
-              <a:t>12/12/2020</a:t>
+              <a:t>3/16/2022</a:t>
             </a:fld>
             <a:endParaRPr lang="en-US"/>
           </a:p>
@@ -7927,7 +7927,7 @@
           <a:p>
             <a:fld id="{E26E0DA5-0C76-4851-AA82-0B75261F9EB4}" type="datetimeFigureOut">
               <a:rPr lang="en-US" smtClean="0"/>
-              <a:t>12/12/2020</a:t>
+              <a:t>3/16/2022</a:t>
             </a:fld>
             <a:endParaRPr lang="en-US"/>
           </a:p>
@@ -8291,7 +8291,7 @@
           <a:p>
             <a:fld id="{E26E0DA5-0C76-4851-AA82-0B75261F9EB4}" type="datetimeFigureOut">
               <a:rPr lang="en-US" smtClean="0"/>
-              <a:t>12/12/2020</a:t>
+              <a:t>3/16/2022</a:t>
             </a:fld>
             <a:endParaRPr lang="en-US"/>
           </a:p>
@@ -8408,7 +8408,7 @@
           <a:p>
             <a:fld id="{E26E0DA5-0C76-4851-AA82-0B75261F9EB4}" type="datetimeFigureOut">
               <a:rPr lang="en-US" smtClean="0"/>
-              <a:t>12/12/2020</a:t>
+              <a:t>3/16/2022</a:t>
             </a:fld>
             <a:endParaRPr lang="en-US"/>
           </a:p>
@@ -8503,7 +8503,7 @@
           <a:p>
             <a:fld id="{E26E0DA5-0C76-4851-AA82-0B75261F9EB4}" type="datetimeFigureOut">
               <a:rPr lang="en-US" smtClean="0"/>
-              <a:t>12/12/2020</a:t>
+              <a:t>3/16/2022</a:t>
             </a:fld>
             <a:endParaRPr lang="en-US"/>
           </a:p>
@@ -8778,7 +8778,7 @@
           <a:p>
             <a:fld id="{E26E0DA5-0C76-4851-AA82-0B75261F9EB4}" type="datetimeFigureOut">
               <a:rPr lang="en-US" smtClean="0"/>
-              <a:t>12/12/2020</a:t>
+              <a:t>3/16/2022</a:t>
             </a:fld>
             <a:endParaRPr lang="en-US"/>
           </a:p>
@@ -9030,7 +9030,7 @@
           <a:p>
             <a:fld id="{E26E0DA5-0C76-4851-AA82-0B75261F9EB4}" type="datetimeFigureOut">
               <a:rPr lang="en-US" smtClean="0"/>
-              <a:t>12/12/2020</a:t>
+              <a:t>3/16/2022</a:t>
             </a:fld>
             <a:endParaRPr lang="en-US"/>
           </a:p>
@@ -9241,7 +9241,7 @@
           <a:p>
             <a:fld id="{E26E0DA5-0C76-4851-AA82-0B75261F9EB4}" type="datetimeFigureOut">
               <a:rPr lang="en-US" smtClean="0"/>
-              <a:t>12/12/2020</a:t>
+              <a:t>3/16/2022</a:t>
             </a:fld>
             <a:endParaRPr lang="en-US"/>
           </a:p>
@@ -9798,7 +9798,7 @@
             <a:fld id="{425404F2-BE9A-4460-8815-8F645183555F}" type="datetimeFigureOut">
               <a:rPr lang="en-US" smtClean="0"/>
               <a:pPr/>
-              <a:t>12/12/2020</a:t>
+              <a:t>3/16/2022</a:t>
             </a:fld>
             <a:endParaRPr lang="en-US"/>
           </a:p>
@@ -10378,8 +10378,21 @@
                   <a:schemeClr val="bg1"/>
                 </a:solidFill>
               </a:rPr>
-              <a:t>Anurag Bajaj</a:t>
-            </a:r>
+              <a:t>Anubhav </a:t>
+            </a:r>
+            <a:r>
+              <a:rPr lang="en-US" sz="3600" spc="-150" dirty="0" err="1">
+                <a:solidFill>
+                  <a:schemeClr val="bg1"/>
+                </a:solidFill>
+              </a:rPr>
+              <a:t>Oberoy</a:t>
+            </a:r>
+            <a:endParaRPr lang="en-US" sz="3600" spc="-150" dirty="0">
+              <a:solidFill>
+                <a:schemeClr val="bg1"/>
+              </a:solidFill>
+            </a:endParaRPr>
           </a:p>
           <a:p>
             <a:r>
@@ -12684,22 +12697,29 @@
               <a:defRPr/>
             </a:pPr>
             <a:r>
-              <a:rPr kumimoji="0" lang="en-US" sz="3600" b="0" i="0" u="none" strike="noStrike" kern="1200" cap="none" spc="-150" normalizeH="0" baseline="0" noProof="0" dirty="0">
-                <a:ln>
-                  <a:noFill/>
-                </a:ln>
+              <a:rPr lang="en-US" sz="3600" spc="-150" dirty="0">
                 <a:solidFill>
                   <a:prstClr val="white"/>
                 </a:solidFill>
-                <a:effectLst/>
-                <a:uLnTx/>
-                <a:uFillTx/>
                 <a:latin typeface="Calibri" panose="020F0502020204030204"/>
-                <a:ea typeface="+mn-ea"/>
-                <a:cs typeface="+mn-cs"/>
               </a:rPr>
-              <a:t>Anurag Bajaj</a:t>
-            </a:r>
+              <a:t>Anubhav </a:t>
+            </a:r>
+            <a:r>
+              <a:rPr lang="en-US" sz="3600" spc="-150" dirty="0" err="1">
+                <a:solidFill>
+                  <a:prstClr val="white"/>
+                </a:solidFill>
+                <a:latin typeface="Calibri" panose="020F0502020204030204"/>
+              </a:rPr>
+              <a:t>Oberoy</a:t>
+            </a:r>
+            <a:endParaRPr lang="en-US" sz="3600" spc="-150" dirty="0">
+              <a:solidFill>
+                <a:prstClr val="white"/>
+              </a:solidFill>
+              <a:latin typeface="Calibri" panose="020F0502020204030204"/>
+            </a:endParaRPr>
           </a:p>
           <a:p>
             <a:pPr marL="0" marR="0" lvl="0" indent="0" algn="l" defTabSz="914400" rtl="0" eaLnBrk="1" fontAlgn="auto" latinLnBrk="0" hangingPunct="1">
@@ -12726,7 +12746,7 @@
                 </a:solidFill>
                 <a:latin typeface="Calibri" panose="020F0502020204030204"/>
               </a:rPr>
-              <a:t>anurag.bajaj02@gmail.com</a:t>
+              <a:t>anubhav.abap@gmail.com</a:t>
             </a:r>
             <a:endParaRPr kumimoji="0" lang="en-US" sz="3600" b="0" i="0" u="none" strike="noStrike" kern="1200" cap="none" spc="-150" normalizeH="0" baseline="0" noProof="0" dirty="0">
               <a:ln>
@@ -14584,8 +14604,8 @@
           <a:chExt cx="0" cy="0"/>
         </a:xfrm>
       </p:grpSpPr>
-      <mc:AlternateContent xmlns:mc="http://schemas.openxmlformats.org/markup-compatibility/2006">
-        <mc:Choice xmlns:p14="http://schemas.microsoft.com/office/powerpoint/2010/main" Requires="p14">
+      <mc:AlternateContent xmlns:mc="http://schemas.openxmlformats.org/markup-compatibility/2006" xmlns:p14="http://schemas.microsoft.com/office/powerpoint/2010/main">
+        <mc:Choice Requires="p14">
           <p:contentPart p14:bwMode="auto" r:id="rId2">
             <p14:nvContentPartPr>
               <p14:cNvPr id="19" name="Ink 18">
@@ -14604,7 +14624,7 @@
             </p14:xfrm>
           </p:contentPart>
         </mc:Choice>
-        <mc:Fallback>
+        <mc:Fallback xmlns="">
           <p:pic>
             <p:nvPicPr>
               <p:cNvPr id="19" name="Ink 18">
@@ -14635,8 +14655,8 @@
           </p:pic>
         </mc:Fallback>
       </mc:AlternateContent>
-      <mc:AlternateContent xmlns:mc="http://schemas.openxmlformats.org/markup-compatibility/2006">
-        <mc:Choice xmlns:p14="http://schemas.microsoft.com/office/powerpoint/2010/main" Requires="p14">
+      <mc:AlternateContent xmlns:mc="http://schemas.openxmlformats.org/markup-compatibility/2006" xmlns:p14="http://schemas.microsoft.com/office/powerpoint/2010/main">
+        <mc:Choice Requires="p14">
           <p:contentPart p14:bwMode="auto" r:id="rId4">
             <p14:nvContentPartPr>
               <p14:cNvPr id="70" name="Ink 69">
@@ -14655,7 +14675,7 @@
             </p14:xfrm>
           </p:contentPart>
         </mc:Choice>
-        <mc:Fallback>
+        <mc:Fallback xmlns="">
           <p:pic>
             <p:nvPicPr>
               <p:cNvPr id="70" name="Ink 69">
@@ -14686,8 +14706,8 @@
           </p:pic>
         </mc:Fallback>
       </mc:AlternateContent>
-      <mc:AlternateContent xmlns:mc="http://schemas.openxmlformats.org/markup-compatibility/2006">
-        <mc:Choice xmlns:p14="http://schemas.microsoft.com/office/powerpoint/2010/main" Requires="p14">
+      <mc:AlternateContent xmlns:mc="http://schemas.openxmlformats.org/markup-compatibility/2006" xmlns:p14="http://schemas.microsoft.com/office/powerpoint/2010/main">
+        <mc:Choice Requires="p14">
           <p:contentPart p14:bwMode="auto" r:id="rId6">
             <p14:nvContentPartPr>
               <p14:cNvPr id="71" name="Ink 70">
@@ -14706,7 +14726,7 @@
             </p14:xfrm>
           </p:contentPart>
         </mc:Choice>
-        <mc:Fallback>
+        <mc:Fallback xmlns="">
           <p:pic>
             <p:nvPicPr>
               <p:cNvPr id="71" name="Ink 70">
@@ -14737,8 +14757,8 @@
           </p:pic>
         </mc:Fallback>
       </mc:AlternateContent>
-      <mc:AlternateContent xmlns:mc="http://schemas.openxmlformats.org/markup-compatibility/2006">
-        <mc:Choice xmlns:p14="http://schemas.microsoft.com/office/powerpoint/2010/main" Requires="p14">
+      <mc:AlternateContent xmlns:mc="http://schemas.openxmlformats.org/markup-compatibility/2006" xmlns:p14="http://schemas.microsoft.com/office/powerpoint/2010/main">
+        <mc:Choice Requires="p14">
           <p:contentPart p14:bwMode="auto" r:id="rId8">
             <p14:nvContentPartPr>
               <p14:cNvPr id="78" name="Ink 77">
@@ -14757,7 +14777,7 @@
             </p14:xfrm>
           </p:contentPart>
         </mc:Choice>
-        <mc:Fallback>
+        <mc:Fallback xmlns="">
           <p:pic>
             <p:nvPicPr>
               <p:cNvPr id="78" name="Ink 77">
@@ -14788,8 +14808,8 @@
           </p:pic>
         </mc:Fallback>
       </mc:AlternateContent>
-      <mc:AlternateContent xmlns:mc="http://schemas.openxmlformats.org/markup-compatibility/2006">
-        <mc:Choice xmlns:p14="http://schemas.microsoft.com/office/powerpoint/2010/main" Requires="p14">
+      <mc:AlternateContent xmlns:mc="http://schemas.openxmlformats.org/markup-compatibility/2006" xmlns:p14="http://schemas.microsoft.com/office/powerpoint/2010/main">
+        <mc:Choice Requires="p14">
           <p:contentPart p14:bwMode="auto" r:id="rId10">
             <p14:nvContentPartPr>
               <p14:cNvPr id="82" name="Ink 81">
@@ -14808,7 +14828,7 @@
             </p14:xfrm>
           </p:contentPart>
         </mc:Choice>
-        <mc:Fallback>
+        <mc:Fallback xmlns="">
           <p:pic>
             <p:nvPicPr>
               <p:cNvPr id="82" name="Ink 81">
@@ -14839,8 +14859,8 @@
           </p:pic>
         </mc:Fallback>
       </mc:AlternateContent>
-      <mc:AlternateContent xmlns:mc="http://schemas.openxmlformats.org/markup-compatibility/2006">
-        <mc:Choice xmlns:p14="http://schemas.microsoft.com/office/powerpoint/2010/main" Requires="p14">
+      <mc:AlternateContent xmlns:mc="http://schemas.openxmlformats.org/markup-compatibility/2006" xmlns:p14="http://schemas.microsoft.com/office/powerpoint/2010/main">
+        <mc:Choice Requires="p14">
           <p:contentPart p14:bwMode="auto" r:id="rId12">
             <p14:nvContentPartPr>
               <p14:cNvPr id="85" name="Ink 84">
@@ -14859,7 +14879,7 @@
             </p14:xfrm>
           </p:contentPart>
         </mc:Choice>
-        <mc:Fallback>
+        <mc:Fallback xmlns="">
           <p:pic>
             <p:nvPicPr>
               <p:cNvPr id="85" name="Ink 84">
@@ -14890,8 +14910,8 @@
           </p:pic>
         </mc:Fallback>
       </mc:AlternateContent>
-      <mc:AlternateContent xmlns:mc="http://schemas.openxmlformats.org/markup-compatibility/2006">
-        <mc:Choice xmlns:p14="http://schemas.microsoft.com/office/powerpoint/2010/main" Requires="p14">
+      <mc:AlternateContent xmlns:mc="http://schemas.openxmlformats.org/markup-compatibility/2006" xmlns:p14="http://schemas.microsoft.com/office/powerpoint/2010/main">
+        <mc:Choice Requires="p14">
           <p:contentPart p14:bwMode="auto" r:id="rId14">
             <p14:nvContentPartPr>
               <p14:cNvPr id="93" name="Ink 92">
@@ -14910,7 +14930,7 @@
             </p14:xfrm>
           </p:contentPart>
         </mc:Choice>
-        <mc:Fallback>
+        <mc:Fallback xmlns="">
           <p:pic>
             <p:nvPicPr>
               <p:cNvPr id="93" name="Ink 92">
@@ -14941,8 +14961,8 @@
           </p:pic>
         </mc:Fallback>
       </mc:AlternateContent>
-      <mc:AlternateContent xmlns:mc="http://schemas.openxmlformats.org/markup-compatibility/2006">
-        <mc:Choice xmlns:p14="http://schemas.microsoft.com/office/powerpoint/2010/main" Requires="p14">
+      <mc:AlternateContent xmlns:mc="http://schemas.openxmlformats.org/markup-compatibility/2006" xmlns:p14="http://schemas.microsoft.com/office/powerpoint/2010/main">
+        <mc:Choice Requires="p14">
           <p:contentPart p14:bwMode="auto" r:id="rId16">
             <p14:nvContentPartPr>
               <p14:cNvPr id="96" name="Ink 95">
@@ -14961,7 +14981,7 @@
             </p14:xfrm>
           </p:contentPart>
         </mc:Choice>
-        <mc:Fallback>
+        <mc:Fallback xmlns="">
           <p:pic>
             <p:nvPicPr>
               <p:cNvPr id="96" name="Ink 95">
@@ -14992,8 +15012,8 @@
           </p:pic>
         </mc:Fallback>
       </mc:AlternateContent>
-      <mc:AlternateContent xmlns:mc="http://schemas.openxmlformats.org/markup-compatibility/2006">
-        <mc:Choice xmlns:p14="http://schemas.microsoft.com/office/powerpoint/2010/main" Requires="p14">
+      <mc:AlternateContent xmlns:mc="http://schemas.openxmlformats.org/markup-compatibility/2006" xmlns:p14="http://schemas.microsoft.com/office/powerpoint/2010/main">
+        <mc:Choice Requires="p14">
           <p:contentPart p14:bwMode="auto" r:id="rId18">
             <p14:nvContentPartPr>
               <p14:cNvPr id="139" name="Ink 138">
@@ -15012,7 +15032,7 @@
             </p14:xfrm>
           </p:contentPart>
         </mc:Choice>
-        <mc:Fallback>
+        <mc:Fallback xmlns="">
           <p:pic>
             <p:nvPicPr>
               <p:cNvPr id="139" name="Ink 138">
@@ -15043,8 +15063,8 @@
           </p:pic>
         </mc:Fallback>
       </mc:AlternateContent>
-      <mc:AlternateContent xmlns:mc="http://schemas.openxmlformats.org/markup-compatibility/2006">
-        <mc:Choice xmlns:p14="http://schemas.microsoft.com/office/powerpoint/2010/main" Requires="p14">
+      <mc:AlternateContent xmlns:mc="http://schemas.openxmlformats.org/markup-compatibility/2006" xmlns:p14="http://schemas.microsoft.com/office/powerpoint/2010/main">
+        <mc:Choice Requires="p14">
           <p:contentPart p14:bwMode="auto" r:id="rId20">
             <p14:nvContentPartPr>
               <p14:cNvPr id="144" name="Ink 143">
@@ -15063,7 +15083,7 @@
             </p14:xfrm>
           </p:contentPart>
         </mc:Choice>
-        <mc:Fallback>
+        <mc:Fallback xmlns="">
           <p:pic>
             <p:nvPicPr>
               <p:cNvPr id="144" name="Ink 143">
@@ -15094,8 +15114,8 @@
           </p:pic>
         </mc:Fallback>
       </mc:AlternateContent>
-      <mc:AlternateContent xmlns:mc="http://schemas.openxmlformats.org/markup-compatibility/2006">
-        <mc:Choice xmlns:p14="http://schemas.microsoft.com/office/powerpoint/2010/main" Requires="p14">
+      <mc:AlternateContent xmlns:mc="http://schemas.openxmlformats.org/markup-compatibility/2006" xmlns:p14="http://schemas.microsoft.com/office/powerpoint/2010/main">
+        <mc:Choice Requires="p14">
           <p:contentPart p14:bwMode="auto" r:id="rId22">
             <p14:nvContentPartPr>
               <p14:cNvPr id="150" name="Ink 149">
@@ -15114,7 +15134,7 @@
             </p14:xfrm>
           </p:contentPart>
         </mc:Choice>
-        <mc:Fallback>
+        <mc:Fallback xmlns="">
           <p:pic>
             <p:nvPicPr>
               <p:cNvPr id="150" name="Ink 149">
@@ -15145,8 +15165,8 @@
           </p:pic>
         </mc:Fallback>
       </mc:AlternateContent>
-      <mc:AlternateContent xmlns:mc="http://schemas.openxmlformats.org/markup-compatibility/2006">
-        <mc:Choice xmlns:p14="http://schemas.microsoft.com/office/powerpoint/2010/main" Requires="p14">
+      <mc:AlternateContent xmlns:mc="http://schemas.openxmlformats.org/markup-compatibility/2006" xmlns:p14="http://schemas.microsoft.com/office/powerpoint/2010/main">
+        <mc:Choice Requires="p14">
           <p:contentPart p14:bwMode="auto" r:id="rId24">
             <p14:nvContentPartPr>
               <p14:cNvPr id="153" name="Ink 152">
@@ -15165,7 +15185,7 @@
             </p14:xfrm>
           </p:contentPart>
         </mc:Choice>
-        <mc:Fallback>
+        <mc:Fallback xmlns="">
           <p:pic>
             <p:nvPicPr>
               <p:cNvPr id="153" name="Ink 152">
@@ -15196,8 +15216,8 @@
           </p:pic>
         </mc:Fallback>
       </mc:AlternateContent>
-      <mc:AlternateContent xmlns:mc="http://schemas.openxmlformats.org/markup-compatibility/2006">
-        <mc:Choice xmlns:p14="http://schemas.microsoft.com/office/powerpoint/2010/main" Requires="p14">
+      <mc:AlternateContent xmlns:mc="http://schemas.openxmlformats.org/markup-compatibility/2006" xmlns:p14="http://schemas.microsoft.com/office/powerpoint/2010/main">
+        <mc:Choice Requires="p14">
           <p:contentPart p14:bwMode="auto" r:id="rId26">
             <p14:nvContentPartPr>
               <p14:cNvPr id="169" name="Ink 168">
@@ -15216,7 +15236,7 @@
             </p14:xfrm>
           </p:contentPart>
         </mc:Choice>
-        <mc:Fallback>
+        <mc:Fallback xmlns="">
           <p:pic>
             <p:nvPicPr>
               <p:cNvPr id="169" name="Ink 168">
@@ -15247,8 +15267,8 @@
           </p:pic>
         </mc:Fallback>
       </mc:AlternateContent>
-      <mc:AlternateContent xmlns:mc="http://schemas.openxmlformats.org/markup-compatibility/2006">
-        <mc:Choice xmlns:p14="http://schemas.microsoft.com/office/powerpoint/2010/main" Requires="p14">
+      <mc:AlternateContent xmlns:mc="http://schemas.openxmlformats.org/markup-compatibility/2006" xmlns:p14="http://schemas.microsoft.com/office/powerpoint/2010/main">
+        <mc:Choice Requires="p14">
           <p:contentPart p14:bwMode="auto" r:id="rId28">
             <p14:nvContentPartPr>
               <p14:cNvPr id="177" name="Ink 176">
@@ -15267,7 +15287,7 @@
             </p14:xfrm>
           </p:contentPart>
         </mc:Choice>
-        <mc:Fallback>
+        <mc:Fallback xmlns="">
           <p:pic>
             <p:nvPicPr>
               <p:cNvPr id="177" name="Ink 176">
@@ -15328,8 +15348,8 @@
           <a:chExt cx="0" cy="0"/>
         </a:xfrm>
       </p:grpSpPr>
-      <mc:AlternateContent xmlns:mc="http://schemas.openxmlformats.org/markup-compatibility/2006">
-        <mc:Choice xmlns:p14="http://schemas.microsoft.com/office/powerpoint/2010/main" Requires="p14">
+      <mc:AlternateContent xmlns:mc="http://schemas.openxmlformats.org/markup-compatibility/2006" xmlns:p14="http://schemas.microsoft.com/office/powerpoint/2010/main">
+        <mc:Choice Requires="p14">
           <p:contentPart p14:bwMode="auto" r:id="rId2">
             <p14:nvContentPartPr>
               <p14:cNvPr id="5" name="Ink 4">
@@ -15348,7 +15368,7 @@
             </p14:xfrm>
           </p:contentPart>
         </mc:Choice>
-        <mc:Fallback>
+        <mc:Fallback xmlns="">
           <p:pic>
             <p:nvPicPr>
               <p:cNvPr id="5" name="Ink 4">
@@ -15379,8 +15399,8 @@
           </p:pic>
         </mc:Fallback>
       </mc:AlternateContent>
-      <mc:AlternateContent xmlns:mc="http://schemas.openxmlformats.org/markup-compatibility/2006">
-        <mc:Choice xmlns:p14="http://schemas.microsoft.com/office/powerpoint/2010/main" Requires="p14">
+      <mc:AlternateContent xmlns:mc="http://schemas.openxmlformats.org/markup-compatibility/2006" xmlns:p14="http://schemas.microsoft.com/office/powerpoint/2010/main">
+        <mc:Choice Requires="p14">
           <p:contentPart p14:bwMode="auto" r:id="rId4">
             <p14:nvContentPartPr>
               <p14:cNvPr id="6" name="Ink 5">
@@ -15399,7 +15419,7 @@
             </p14:xfrm>
           </p:contentPart>
         </mc:Choice>
-        <mc:Fallback>
+        <mc:Fallback xmlns="">
           <p:pic>
             <p:nvPicPr>
               <p:cNvPr id="6" name="Ink 5">
@@ -15430,8 +15450,8 @@
           </p:pic>
         </mc:Fallback>
       </mc:AlternateContent>
-      <mc:AlternateContent xmlns:mc="http://schemas.openxmlformats.org/markup-compatibility/2006">
-        <mc:Choice xmlns:p14="http://schemas.microsoft.com/office/powerpoint/2010/main" Requires="p14">
+      <mc:AlternateContent xmlns:mc="http://schemas.openxmlformats.org/markup-compatibility/2006" xmlns:p14="http://schemas.microsoft.com/office/powerpoint/2010/main">
+        <mc:Choice Requires="p14">
           <p:contentPart p14:bwMode="auto" r:id="rId6">
             <p14:nvContentPartPr>
               <p14:cNvPr id="11" name="Ink 10">
@@ -15450,7 +15470,7 @@
             </p14:xfrm>
           </p:contentPart>
         </mc:Choice>
-        <mc:Fallback>
+        <mc:Fallback xmlns="">
           <p:pic>
             <p:nvPicPr>
               <p:cNvPr id="11" name="Ink 10">
@@ -15481,8 +15501,8 @@
           </p:pic>
         </mc:Fallback>
       </mc:AlternateContent>
-      <mc:AlternateContent xmlns:mc="http://schemas.openxmlformats.org/markup-compatibility/2006">
-        <mc:Choice xmlns:p14="http://schemas.microsoft.com/office/powerpoint/2010/main" Requires="p14">
+      <mc:AlternateContent xmlns:mc="http://schemas.openxmlformats.org/markup-compatibility/2006" xmlns:p14="http://schemas.microsoft.com/office/powerpoint/2010/main">
+        <mc:Choice Requires="p14">
           <p:contentPart p14:bwMode="auto" r:id="rId8">
             <p14:nvContentPartPr>
               <p14:cNvPr id="18" name="Ink 17">
@@ -15501,7 +15521,7 @@
             </p14:xfrm>
           </p:contentPart>
         </mc:Choice>
-        <mc:Fallback>
+        <mc:Fallback xmlns="">
           <p:pic>
             <p:nvPicPr>
               <p:cNvPr id="18" name="Ink 17">
@@ -15532,8 +15552,8 @@
           </p:pic>
         </mc:Fallback>
       </mc:AlternateContent>
-      <mc:AlternateContent xmlns:mc="http://schemas.openxmlformats.org/markup-compatibility/2006">
-        <mc:Choice xmlns:p14="http://schemas.microsoft.com/office/powerpoint/2010/main" Requires="p14">
+      <mc:AlternateContent xmlns:mc="http://schemas.openxmlformats.org/markup-compatibility/2006" xmlns:p14="http://schemas.microsoft.com/office/powerpoint/2010/main">
+        <mc:Choice Requires="p14">
           <p:contentPart p14:bwMode="auto" r:id="rId10">
             <p14:nvContentPartPr>
               <p14:cNvPr id="24" name="Ink 23">
@@ -15552,7 +15572,7 @@
             </p14:xfrm>
           </p:contentPart>
         </mc:Choice>
-        <mc:Fallback>
+        <mc:Fallback xmlns="">
           <p:pic>
             <p:nvPicPr>
               <p:cNvPr id="24" name="Ink 23">
@@ -15583,8 +15603,8 @@
           </p:pic>
         </mc:Fallback>
       </mc:AlternateContent>
-      <mc:AlternateContent xmlns:mc="http://schemas.openxmlformats.org/markup-compatibility/2006">
-        <mc:Choice xmlns:p14="http://schemas.microsoft.com/office/powerpoint/2010/main" Requires="p14">
+      <mc:AlternateContent xmlns:mc="http://schemas.openxmlformats.org/markup-compatibility/2006" xmlns:p14="http://schemas.microsoft.com/office/powerpoint/2010/main">
+        <mc:Choice Requires="p14">
           <p:contentPart p14:bwMode="auto" r:id="rId12">
             <p14:nvContentPartPr>
               <p14:cNvPr id="28" name="Ink 27">
@@ -15603,7 +15623,7 @@
             </p14:xfrm>
           </p:contentPart>
         </mc:Choice>
-        <mc:Fallback>
+        <mc:Fallback xmlns="">
           <p:pic>
             <p:nvPicPr>
               <p:cNvPr id="28" name="Ink 27">
@@ -15634,8 +15654,8 @@
           </p:pic>
         </mc:Fallback>
       </mc:AlternateContent>
-      <mc:AlternateContent xmlns:mc="http://schemas.openxmlformats.org/markup-compatibility/2006">
-        <mc:Choice xmlns:p14="http://schemas.microsoft.com/office/powerpoint/2010/main" Requires="p14">
+      <mc:AlternateContent xmlns:mc="http://schemas.openxmlformats.org/markup-compatibility/2006" xmlns:p14="http://schemas.microsoft.com/office/powerpoint/2010/main">
+        <mc:Choice Requires="p14">
           <p:contentPart p14:bwMode="auto" r:id="rId14">
             <p14:nvContentPartPr>
               <p14:cNvPr id="32" name="Ink 31">
@@ -15654,7 +15674,7 @@
             </p14:xfrm>
           </p:contentPart>
         </mc:Choice>
-        <mc:Fallback>
+        <mc:Fallback xmlns="">
           <p:pic>
             <p:nvPicPr>
               <p:cNvPr id="32" name="Ink 31">
@@ -15685,8 +15705,8 @@
           </p:pic>
         </mc:Fallback>
       </mc:AlternateContent>
-      <mc:AlternateContent xmlns:mc="http://schemas.openxmlformats.org/markup-compatibility/2006">
-        <mc:Choice xmlns:p14="http://schemas.microsoft.com/office/powerpoint/2010/main" Requires="p14">
+      <mc:AlternateContent xmlns:mc="http://schemas.openxmlformats.org/markup-compatibility/2006" xmlns:p14="http://schemas.microsoft.com/office/powerpoint/2010/main">
+        <mc:Choice Requires="p14">
           <p:contentPart p14:bwMode="auto" r:id="rId16">
             <p14:nvContentPartPr>
               <p14:cNvPr id="35" name="Ink 34">
@@ -15705,7 +15725,7 @@
             </p14:xfrm>
           </p:contentPart>
         </mc:Choice>
-        <mc:Fallback>
+        <mc:Fallback xmlns="">
           <p:pic>
             <p:nvPicPr>
               <p:cNvPr id="35" name="Ink 34">
@@ -15736,8 +15756,8 @@
           </p:pic>
         </mc:Fallback>
       </mc:AlternateContent>
-      <mc:AlternateContent xmlns:mc="http://schemas.openxmlformats.org/markup-compatibility/2006">
-        <mc:Choice xmlns:p14="http://schemas.microsoft.com/office/powerpoint/2010/main" Requires="p14">
+      <mc:AlternateContent xmlns:mc="http://schemas.openxmlformats.org/markup-compatibility/2006" xmlns:p14="http://schemas.microsoft.com/office/powerpoint/2010/main">
+        <mc:Choice Requires="p14">
           <p:contentPart p14:bwMode="auto" r:id="rId18">
             <p14:nvContentPartPr>
               <p14:cNvPr id="36" name="Ink 35">
@@ -15756,7 +15776,7 @@
             </p14:xfrm>
           </p:contentPart>
         </mc:Choice>
-        <mc:Fallback>
+        <mc:Fallback xmlns="">
           <p:pic>
             <p:nvPicPr>
               <p:cNvPr id="36" name="Ink 35">
@@ -15787,8 +15807,8 @@
           </p:pic>
         </mc:Fallback>
       </mc:AlternateContent>
-      <mc:AlternateContent xmlns:mc="http://schemas.openxmlformats.org/markup-compatibility/2006">
-        <mc:Choice xmlns:p14="http://schemas.microsoft.com/office/powerpoint/2010/main" Requires="p14">
+      <mc:AlternateContent xmlns:mc="http://schemas.openxmlformats.org/markup-compatibility/2006" xmlns:p14="http://schemas.microsoft.com/office/powerpoint/2010/main">
+        <mc:Choice Requires="p14">
           <p:contentPart p14:bwMode="auto" r:id="rId20">
             <p14:nvContentPartPr>
               <p14:cNvPr id="43" name="Ink 42">
@@ -15807,7 +15827,7 @@
             </p14:xfrm>
           </p:contentPart>
         </mc:Choice>
-        <mc:Fallback>
+        <mc:Fallback xmlns="">
           <p:pic>
             <p:nvPicPr>
               <p:cNvPr id="43" name="Ink 42">
@@ -15838,8 +15858,8 @@
           </p:pic>
         </mc:Fallback>
       </mc:AlternateContent>
-      <mc:AlternateContent xmlns:mc="http://schemas.openxmlformats.org/markup-compatibility/2006">
-        <mc:Choice xmlns:p14="http://schemas.microsoft.com/office/powerpoint/2010/main" Requires="p14">
+      <mc:AlternateContent xmlns:mc="http://schemas.openxmlformats.org/markup-compatibility/2006" xmlns:p14="http://schemas.microsoft.com/office/powerpoint/2010/main">
+        <mc:Choice Requires="p14">
           <p:contentPart p14:bwMode="auto" r:id="rId22">
             <p14:nvContentPartPr>
               <p14:cNvPr id="44" name="Ink 43">
@@ -15858,7 +15878,7 @@
             </p14:xfrm>
           </p:contentPart>
         </mc:Choice>
-        <mc:Fallback>
+        <mc:Fallback xmlns="">
           <p:pic>
             <p:nvPicPr>
               <p:cNvPr id="44" name="Ink 43">
@@ -15889,8 +15909,8 @@
           </p:pic>
         </mc:Fallback>
       </mc:AlternateContent>
-      <mc:AlternateContent xmlns:mc="http://schemas.openxmlformats.org/markup-compatibility/2006">
-        <mc:Choice xmlns:p14="http://schemas.microsoft.com/office/powerpoint/2010/main" Requires="p14">
+      <mc:AlternateContent xmlns:mc="http://schemas.openxmlformats.org/markup-compatibility/2006" xmlns:p14="http://schemas.microsoft.com/office/powerpoint/2010/main">
+        <mc:Choice Requires="p14">
           <p:contentPart p14:bwMode="auto" r:id="rId24">
             <p14:nvContentPartPr>
               <p14:cNvPr id="50" name="Ink 49">
@@ -15909,7 +15929,7 @@
             </p14:xfrm>
           </p:contentPart>
         </mc:Choice>
-        <mc:Fallback>
+        <mc:Fallback xmlns="">
           <p:pic>
             <p:nvPicPr>
               <p:cNvPr id="50" name="Ink 49">
@@ -15940,8 +15960,8 @@
           </p:pic>
         </mc:Fallback>
       </mc:AlternateContent>
-      <mc:AlternateContent xmlns:mc="http://schemas.openxmlformats.org/markup-compatibility/2006">
-        <mc:Choice xmlns:p14="http://schemas.microsoft.com/office/powerpoint/2010/main" Requires="p14">
+      <mc:AlternateContent xmlns:mc="http://schemas.openxmlformats.org/markup-compatibility/2006" xmlns:p14="http://schemas.microsoft.com/office/powerpoint/2010/main">
+        <mc:Choice Requires="p14">
           <p:contentPart p14:bwMode="auto" r:id="rId26">
             <p14:nvContentPartPr>
               <p14:cNvPr id="51" name="Ink 50">
@@ -15960,7 +15980,7 @@
             </p14:xfrm>
           </p:contentPart>
         </mc:Choice>
-        <mc:Fallback>
+        <mc:Fallback xmlns="">
           <p:pic>
             <p:nvPicPr>
               <p:cNvPr id="51" name="Ink 50">
@@ -15991,8 +16011,8 @@
           </p:pic>
         </mc:Fallback>
       </mc:AlternateContent>
-      <mc:AlternateContent xmlns:mc="http://schemas.openxmlformats.org/markup-compatibility/2006">
-        <mc:Choice xmlns:p14="http://schemas.microsoft.com/office/powerpoint/2010/main" Requires="p14">
+      <mc:AlternateContent xmlns:mc="http://schemas.openxmlformats.org/markup-compatibility/2006" xmlns:p14="http://schemas.microsoft.com/office/powerpoint/2010/main">
+        <mc:Choice Requires="p14">
           <p:contentPart p14:bwMode="auto" r:id="rId28">
             <p14:nvContentPartPr>
               <p14:cNvPr id="52" name="Ink 51">
@@ -16011,7 +16031,7 @@
             </p14:xfrm>
           </p:contentPart>
         </mc:Choice>
-        <mc:Fallback>
+        <mc:Fallback xmlns="">
           <p:pic>
             <p:nvPicPr>
               <p:cNvPr id="52" name="Ink 51">
@@ -16042,8 +16062,8 @@
           </p:pic>
         </mc:Fallback>
       </mc:AlternateContent>
-      <mc:AlternateContent xmlns:mc="http://schemas.openxmlformats.org/markup-compatibility/2006">
-        <mc:Choice xmlns:p14="http://schemas.microsoft.com/office/powerpoint/2010/main" Requires="p14">
+      <mc:AlternateContent xmlns:mc="http://schemas.openxmlformats.org/markup-compatibility/2006" xmlns:p14="http://schemas.microsoft.com/office/powerpoint/2010/main">
+        <mc:Choice Requires="p14">
           <p:contentPart p14:bwMode="auto" r:id="rId30">
             <p14:nvContentPartPr>
               <p14:cNvPr id="68" name="Ink 67">
@@ -16062,7 +16082,7 @@
             </p14:xfrm>
           </p:contentPart>
         </mc:Choice>
-        <mc:Fallback>
+        <mc:Fallback xmlns="">
           <p:pic>
             <p:nvPicPr>
               <p:cNvPr id="68" name="Ink 67">
@@ -16093,8 +16113,8 @@
           </p:pic>
         </mc:Fallback>
       </mc:AlternateContent>
-      <mc:AlternateContent xmlns:mc="http://schemas.openxmlformats.org/markup-compatibility/2006">
-        <mc:Choice xmlns:p14="http://schemas.microsoft.com/office/powerpoint/2010/main" Requires="p14">
+      <mc:AlternateContent xmlns:mc="http://schemas.openxmlformats.org/markup-compatibility/2006" xmlns:p14="http://schemas.microsoft.com/office/powerpoint/2010/main">
+        <mc:Choice Requires="p14">
           <p:contentPart p14:bwMode="auto" r:id="rId32">
             <p14:nvContentPartPr>
               <p14:cNvPr id="72" name="Ink 71">
@@ -16113,7 +16133,7 @@
             </p14:xfrm>
           </p:contentPart>
         </mc:Choice>
-        <mc:Fallback>
+        <mc:Fallback xmlns="">
           <p:pic>
             <p:nvPicPr>
               <p:cNvPr id="72" name="Ink 71">
@@ -16144,8 +16164,8 @@
           </p:pic>
         </mc:Fallback>
       </mc:AlternateContent>
-      <mc:AlternateContent xmlns:mc="http://schemas.openxmlformats.org/markup-compatibility/2006">
-        <mc:Choice xmlns:p14="http://schemas.microsoft.com/office/powerpoint/2010/main" Requires="p14">
+      <mc:AlternateContent xmlns:mc="http://schemas.openxmlformats.org/markup-compatibility/2006" xmlns:p14="http://schemas.microsoft.com/office/powerpoint/2010/main">
+        <mc:Choice Requires="p14">
           <p:contentPart p14:bwMode="auto" r:id="rId34">
             <p14:nvContentPartPr>
               <p14:cNvPr id="103" name="Ink 102">
@@ -16164,7 +16184,7 @@
             </p14:xfrm>
           </p:contentPart>
         </mc:Choice>
-        <mc:Fallback>
+        <mc:Fallback xmlns="">
           <p:pic>
             <p:nvPicPr>
               <p:cNvPr id="103" name="Ink 102">
@@ -16195,8 +16215,8 @@
           </p:pic>
         </mc:Fallback>
       </mc:AlternateContent>
-      <mc:AlternateContent xmlns:mc="http://schemas.openxmlformats.org/markup-compatibility/2006">
-        <mc:Choice xmlns:p14="http://schemas.microsoft.com/office/powerpoint/2010/main" Requires="p14">
+      <mc:AlternateContent xmlns:mc="http://schemas.openxmlformats.org/markup-compatibility/2006" xmlns:p14="http://schemas.microsoft.com/office/powerpoint/2010/main">
+        <mc:Choice Requires="p14">
           <p:contentPart p14:bwMode="auto" r:id="rId36">
             <p14:nvContentPartPr>
               <p14:cNvPr id="106" name="Ink 105">
@@ -16215,7 +16235,7 @@
             </p14:xfrm>
           </p:contentPart>
         </mc:Choice>
-        <mc:Fallback>
+        <mc:Fallback xmlns="">
           <p:pic>
             <p:nvPicPr>
               <p:cNvPr id="106" name="Ink 105">
@@ -16246,8 +16266,8 @@
           </p:pic>
         </mc:Fallback>
       </mc:AlternateContent>
-      <mc:AlternateContent xmlns:mc="http://schemas.openxmlformats.org/markup-compatibility/2006">
-        <mc:Choice xmlns:p14="http://schemas.microsoft.com/office/powerpoint/2010/main" Requires="p14">
+      <mc:AlternateContent xmlns:mc="http://schemas.openxmlformats.org/markup-compatibility/2006" xmlns:p14="http://schemas.microsoft.com/office/powerpoint/2010/main">
+        <mc:Choice Requires="p14">
           <p:contentPart p14:bwMode="auto" r:id="rId38">
             <p14:nvContentPartPr>
               <p14:cNvPr id="113" name="Ink 112">
@@ -16266,7 +16286,7 @@
             </p14:xfrm>
           </p:contentPart>
         </mc:Choice>
-        <mc:Fallback>
+        <mc:Fallback xmlns="">
           <p:pic>
             <p:nvPicPr>
               <p:cNvPr id="113" name="Ink 112">
@@ -16297,8 +16317,8 @@
           </p:pic>
         </mc:Fallback>
       </mc:AlternateContent>
-      <mc:AlternateContent xmlns:mc="http://schemas.openxmlformats.org/markup-compatibility/2006">
-        <mc:Choice xmlns:p14="http://schemas.microsoft.com/office/powerpoint/2010/main" Requires="p14">
+      <mc:AlternateContent xmlns:mc="http://schemas.openxmlformats.org/markup-compatibility/2006" xmlns:p14="http://schemas.microsoft.com/office/powerpoint/2010/main">
+        <mc:Choice Requires="p14">
           <p:contentPart p14:bwMode="auto" r:id="rId40">
             <p14:nvContentPartPr>
               <p14:cNvPr id="114" name="Ink 113">
@@ -16317,7 +16337,7 @@
             </p14:xfrm>
           </p:contentPart>
         </mc:Choice>
-        <mc:Fallback>
+        <mc:Fallback xmlns="">
           <p:pic>
             <p:nvPicPr>
               <p:cNvPr id="114" name="Ink 113">
@@ -16348,8 +16368,8 @@
           </p:pic>
         </mc:Fallback>
       </mc:AlternateContent>
-      <mc:AlternateContent xmlns:mc="http://schemas.openxmlformats.org/markup-compatibility/2006">
-        <mc:Choice xmlns:p14="http://schemas.microsoft.com/office/powerpoint/2010/main" Requires="p14">
+      <mc:AlternateContent xmlns:mc="http://schemas.openxmlformats.org/markup-compatibility/2006" xmlns:p14="http://schemas.microsoft.com/office/powerpoint/2010/main">
+        <mc:Choice Requires="p14">
           <p:contentPart p14:bwMode="auto" r:id="rId42">
             <p14:nvContentPartPr>
               <p14:cNvPr id="119" name="Ink 118">
@@ -16368,7 +16388,7 @@
             </p14:xfrm>
           </p:contentPart>
         </mc:Choice>
-        <mc:Fallback>
+        <mc:Fallback xmlns="">
           <p:pic>
             <p:nvPicPr>
               <p:cNvPr id="119" name="Ink 118">
@@ -16399,8 +16419,8 @@
           </p:pic>
         </mc:Fallback>
       </mc:AlternateContent>
-      <mc:AlternateContent xmlns:mc="http://schemas.openxmlformats.org/markup-compatibility/2006">
-        <mc:Choice xmlns:p14="http://schemas.microsoft.com/office/powerpoint/2010/main" Requires="p14">
+      <mc:AlternateContent xmlns:mc="http://schemas.openxmlformats.org/markup-compatibility/2006" xmlns:p14="http://schemas.microsoft.com/office/powerpoint/2010/main">
+        <mc:Choice Requires="p14">
           <p:contentPart p14:bwMode="auto" r:id="rId44">
             <p14:nvContentPartPr>
               <p14:cNvPr id="120" name="Ink 119">
@@ -16419,7 +16439,7 @@
             </p14:xfrm>
           </p:contentPart>
         </mc:Choice>
-        <mc:Fallback>
+        <mc:Fallback xmlns="">
           <p:pic>
             <p:nvPicPr>
               <p:cNvPr id="120" name="Ink 119">
@@ -16450,8 +16470,8 @@
           </p:pic>
         </mc:Fallback>
       </mc:AlternateContent>
-      <mc:AlternateContent xmlns:mc="http://schemas.openxmlformats.org/markup-compatibility/2006">
-        <mc:Choice xmlns:p14="http://schemas.microsoft.com/office/powerpoint/2010/main" Requires="p14">
+      <mc:AlternateContent xmlns:mc="http://schemas.openxmlformats.org/markup-compatibility/2006" xmlns:p14="http://schemas.microsoft.com/office/powerpoint/2010/main">
+        <mc:Choice Requires="p14">
           <p:contentPart p14:bwMode="auto" r:id="rId46">
             <p14:nvContentPartPr>
               <p14:cNvPr id="133" name="Ink 132">
@@ -16470,7 +16490,7 @@
             </p14:xfrm>
           </p:contentPart>
         </mc:Choice>
-        <mc:Fallback>
+        <mc:Fallback xmlns="">
           <p:pic>
             <p:nvPicPr>
               <p:cNvPr id="133" name="Ink 132">
@@ -16501,8 +16521,8 @@
           </p:pic>
         </mc:Fallback>
       </mc:AlternateContent>
-      <mc:AlternateContent xmlns:mc="http://schemas.openxmlformats.org/markup-compatibility/2006">
-        <mc:Choice xmlns:p14="http://schemas.microsoft.com/office/powerpoint/2010/main" Requires="p14">
+      <mc:AlternateContent xmlns:mc="http://schemas.openxmlformats.org/markup-compatibility/2006" xmlns:p14="http://schemas.microsoft.com/office/powerpoint/2010/main">
+        <mc:Choice Requires="p14">
           <p:contentPart p14:bwMode="auto" r:id="rId48">
             <p14:nvContentPartPr>
               <p14:cNvPr id="144" name="Ink 143">
@@ -16521,7 +16541,7 @@
             </p14:xfrm>
           </p:contentPart>
         </mc:Choice>
-        <mc:Fallback>
+        <mc:Fallback xmlns="">
           <p:pic>
             <p:nvPicPr>
               <p:cNvPr id="144" name="Ink 143">
@@ -16552,8 +16572,8 @@
           </p:pic>
         </mc:Fallback>
       </mc:AlternateContent>
-      <mc:AlternateContent xmlns:mc="http://schemas.openxmlformats.org/markup-compatibility/2006">
-        <mc:Choice xmlns:p14="http://schemas.microsoft.com/office/powerpoint/2010/main" Requires="p14">
+      <mc:AlternateContent xmlns:mc="http://schemas.openxmlformats.org/markup-compatibility/2006" xmlns:p14="http://schemas.microsoft.com/office/powerpoint/2010/main">
+        <mc:Choice Requires="p14">
           <p:contentPart p14:bwMode="auto" r:id="rId50">
             <p14:nvContentPartPr>
               <p14:cNvPr id="148" name="Ink 147">
@@ -16572,7 +16592,7 @@
             </p14:xfrm>
           </p:contentPart>
         </mc:Choice>
-        <mc:Fallback>
+        <mc:Fallback xmlns="">
           <p:pic>
             <p:nvPicPr>
               <p:cNvPr id="148" name="Ink 147">
@@ -16603,8 +16623,8 @@
           </p:pic>
         </mc:Fallback>
       </mc:AlternateContent>
-      <mc:AlternateContent xmlns:mc="http://schemas.openxmlformats.org/markup-compatibility/2006">
-        <mc:Choice xmlns:p14="http://schemas.microsoft.com/office/powerpoint/2010/main" Requires="p14">
+      <mc:AlternateContent xmlns:mc="http://schemas.openxmlformats.org/markup-compatibility/2006" xmlns:p14="http://schemas.microsoft.com/office/powerpoint/2010/main">
+        <mc:Choice Requires="p14">
           <p:contentPart p14:bwMode="auto" r:id="rId52">
             <p14:nvContentPartPr>
               <p14:cNvPr id="221" name="Ink 220">
@@ -16623,7 +16643,7 @@
             </p14:xfrm>
           </p:contentPart>
         </mc:Choice>
-        <mc:Fallback>
+        <mc:Fallback xmlns="">
           <p:pic>
             <p:nvPicPr>
               <p:cNvPr id="221" name="Ink 220">
@@ -16654,8 +16674,8 @@
           </p:pic>
         </mc:Fallback>
       </mc:AlternateContent>
-      <mc:AlternateContent xmlns:mc="http://schemas.openxmlformats.org/markup-compatibility/2006">
-        <mc:Choice xmlns:p14="http://schemas.microsoft.com/office/powerpoint/2010/main" Requires="p14">
+      <mc:AlternateContent xmlns:mc="http://schemas.openxmlformats.org/markup-compatibility/2006" xmlns:p14="http://schemas.microsoft.com/office/powerpoint/2010/main">
+        <mc:Choice Requires="p14">
           <p:contentPart p14:bwMode="auto" r:id="rId54">
             <p14:nvContentPartPr>
               <p14:cNvPr id="222" name="Ink 221">
@@ -16674,7 +16694,7 @@
             </p14:xfrm>
           </p:contentPart>
         </mc:Choice>
-        <mc:Fallback>
+        <mc:Fallback xmlns="">
           <p:pic>
             <p:nvPicPr>
               <p:cNvPr id="222" name="Ink 221">
@@ -16705,8 +16725,8 @@
           </p:pic>
         </mc:Fallback>
       </mc:AlternateContent>
-      <mc:AlternateContent xmlns:mc="http://schemas.openxmlformats.org/markup-compatibility/2006">
-        <mc:Choice xmlns:p14="http://schemas.microsoft.com/office/powerpoint/2010/main" Requires="p14">
+      <mc:AlternateContent xmlns:mc="http://schemas.openxmlformats.org/markup-compatibility/2006" xmlns:p14="http://schemas.microsoft.com/office/powerpoint/2010/main">
+        <mc:Choice Requires="p14">
           <p:contentPart p14:bwMode="auto" r:id="rId56">
             <p14:nvContentPartPr>
               <p14:cNvPr id="296" name="Ink 295">
@@ -16725,7 +16745,7 @@
             </p14:xfrm>
           </p:contentPart>
         </mc:Choice>
-        <mc:Fallback>
+        <mc:Fallback xmlns="">
           <p:pic>
             <p:nvPicPr>
               <p:cNvPr id="296" name="Ink 295">
@@ -16756,8 +16776,8 @@
           </p:pic>
         </mc:Fallback>
       </mc:AlternateContent>
-      <mc:AlternateContent xmlns:mc="http://schemas.openxmlformats.org/markup-compatibility/2006">
-        <mc:Choice xmlns:p14="http://schemas.microsoft.com/office/powerpoint/2010/main" Requires="p14">
+      <mc:AlternateContent xmlns:mc="http://schemas.openxmlformats.org/markup-compatibility/2006" xmlns:p14="http://schemas.microsoft.com/office/powerpoint/2010/main">
+        <mc:Choice Requires="p14">
           <p:contentPart p14:bwMode="auto" r:id="rId58">
             <p14:nvContentPartPr>
               <p14:cNvPr id="314" name="Ink 313">
@@ -16776,7 +16796,7 @@
             </p14:xfrm>
           </p:contentPart>
         </mc:Choice>
-        <mc:Fallback>
+        <mc:Fallback xmlns="">
           <p:pic>
             <p:nvPicPr>
               <p:cNvPr id="314" name="Ink 313">
@@ -16807,8 +16827,8 @@
           </p:pic>
         </mc:Fallback>
       </mc:AlternateContent>
-      <mc:AlternateContent xmlns:mc="http://schemas.openxmlformats.org/markup-compatibility/2006">
-        <mc:Choice xmlns:p14="http://schemas.microsoft.com/office/powerpoint/2010/main" Requires="p14">
+      <mc:AlternateContent xmlns:mc="http://schemas.openxmlformats.org/markup-compatibility/2006" xmlns:p14="http://schemas.microsoft.com/office/powerpoint/2010/main">
+        <mc:Choice Requires="p14">
           <p:contentPart p14:bwMode="auto" r:id="rId60">
             <p14:nvContentPartPr>
               <p14:cNvPr id="339" name="Ink 338">
@@ -16827,7 +16847,7 @@
             </p14:xfrm>
           </p:contentPart>
         </mc:Choice>
-        <mc:Fallback>
+        <mc:Fallback xmlns="">
           <p:pic>
             <p:nvPicPr>
               <p:cNvPr id="339" name="Ink 338">
@@ -16858,8 +16878,8 @@
           </p:pic>
         </mc:Fallback>
       </mc:AlternateContent>
-      <mc:AlternateContent xmlns:mc="http://schemas.openxmlformats.org/markup-compatibility/2006">
-        <mc:Choice xmlns:p14="http://schemas.microsoft.com/office/powerpoint/2010/main" Requires="p14">
+      <mc:AlternateContent xmlns:mc="http://schemas.openxmlformats.org/markup-compatibility/2006" xmlns:p14="http://schemas.microsoft.com/office/powerpoint/2010/main">
+        <mc:Choice Requires="p14">
           <p:contentPart p14:bwMode="auto" r:id="rId62">
             <p14:nvContentPartPr>
               <p14:cNvPr id="340" name="Ink 339">
@@ -16878,7 +16898,7 @@
             </p14:xfrm>
           </p:contentPart>
         </mc:Choice>
-        <mc:Fallback>
+        <mc:Fallback xmlns="">
           <p:pic>
             <p:nvPicPr>
               <p:cNvPr id="340" name="Ink 339">
@@ -16909,8 +16929,8 @@
           </p:pic>
         </mc:Fallback>
       </mc:AlternateContent>
-      <mc:AlternateContent xmlns:mc="http://schemas.openxmlformats.org/markup-compatibility/2006">
-        <mc:Choice xmlns:p14="http://schemas.microsoft.com/office/powerpoint/2010/main" Requires="p14">
+      <mc:AlternateContent xmlns:mc="http://schemas.openxmlformats.org/markup-compatibility/2006" xmlns:p14="http://schemas.microsoft.com/office/powerpoint/2010/main">
+        <mc:Choice Requires="p14">
           <p:contentPart p14:bwMode="auto" r:id="rId64">
             <p14:nvContentPartPr>
               <p14:cNvPr id="341" name="Ink 340">
@@ -16929,7 +16949,7 @@
             </p14:xfrm>
           </p:contentPart>
         </mc:Choice>
-        <mc:Fallback>
+        <mc:Fallback xmlns="">
           <p:pic>
             <p:nvPicPr>
               <p:cNvPr id="341" name="Ink 340">
@@ -16960,8 +16980,8 @@
           </p:pic>
         </mc:Fallback>
       </mc:AlternateContent>
-      <mc:AlternateContent xmlns:mc="http://schemas.openxmlformats.org/markup-compatibility/2006">
-        <mc:Choice xmlns:p14="http://schemas.microsoft.com/office/powerpoint/2010/main" Requires="p14">
+      <mc:AlternateContent xmlns:mc="http://schemas.openxmlformats.org/markup-compatibility/2006" xmlns:p14="http://schemas.microsoft.com/office/powerpoint/2010/main">
+        <mc:Choice Requires="p14">
           <p:contentPart p14:bwMode="auto" r:id="rId66">
             <p14:nvContentPartPr>
               <p14:cNvPr id="351" name="Ink 350">
@@ -16980,7 +17000,7 @@
             </p14:xfrm>
           </p:contentPart>
         </mc:Choice>
-        <mc:Fallback>
+        <mc:Fallback xmlns="">
           <p:pic>
             <p:nvPicPr>
               <p:cNvPr id="351" name="Ink 350">
@@ -17011,8 +17031,8 @@
           </p:pic>
         </mc:Fallback>
       </mc:AlternateContent>
-      <mc:AlternateContent xmlns:mc="http://schemas.openxmlformats.org/markup-compatibility/2006">
-        <mc:Choice xmlns:p14="http://schemas.microsoft.com/office/powerpoint/2010/main" Requires="p14">
+      <mc:AlternateContent xmlns:mc="http://schemas.openxmlformats.org/markup-compatibility/2006" xmlns:p14="http://schemas.microsoft.com/office/powerpoint/2010/main">
+        <mc:Choice Requires="p14">
           <p:contentPart p14:bwMode="auto" r:id="rId68">
             <p14:nvContentPartPr>
               <p14:cNvPr id="357" name="Ink 356">
@@ -17031,7 +17051,7 @@
             </p14:xfrm>
           </p:contentPart>
         </mc:Choice>
-        <mc:Fallback>
+        <mc:Fallback xmlns="">
           <p:pic>
             <p:nvPicPr>
               <p:cNvPr id="357" name="Ink 356">
